--- a/diseño/adivinanumero.pptx
+++ b/diseño/adivinanumero.pptx
@@ -119,6 +119,11 @@
       </a:defRPr>
     </a:lvl9pPr>
   </p:defaultTextStyle>
+  <p:extLst>
+    <p:ext uri="{EFAFB233-063F-42B5-8137-9DF3F51BA10A}">
+      <p15:sldGuideLst xmlns:p15="http://schemas.microsoft.com/office/powerpoint/2012/main"/>
+    </p:ext>
+  </p:extLst>
 </p:presentation>
 </file>
 
@@ -2011,7 +2016,7 @@
             <a:fld id="{831132F4-8873-4BA2-8026-128E49DF86ED}" type="datetime1">
               <a:rPr lang="es-ES"/>
               <a:pPr lvl="0"/>
-              <a:t>2024/1/14</a:t>
+              <a:t>22/01/2024</a:t>
             </a:fld>
             <a:endParaRPr lang="es-ES"/>
           </a:p>
@@ -2285,7 +2290,7 @@
             <a:fld id="{FD4C78B9-FF65-4377-BA43-81F51514B9EB}" type="datetime1">
               <a:rPr lang="es-ES"/>
               <a:pPr lvl="0"/>
-              <a:t>2024/1/14</a:t>
+              <a:t>22/01/2024</a:t>
             </a:fld>
             <a:endParaRPr lang="es-ES"/>
           </a:p>
@@ -2529,7 +2534,7 @@
             <a:fld id="{5150B6E3-E68D-4D23-965C-30B4466F2F99}" type="datetime1">
               <a:rPr lang="es-ES"/>
               <a:pPr lvl="0"/>
-              <a:t>2024/1/14</a:t>
+              <a:t>22/01/2024</a:t>
             </a:fld>
             <a:endParaRPr lang="es-ES"/>
           </a:p>
@@ -2764,7 +2769,7 @@
             <a:fld id="{8B678010-8413-4FCA-A706-24D760521DD4}" type="datetime1">
               <a:rPr lang="es-ES"/>
               <a:pPr lvl="0"/>
-              <a:t>2024/1/14</a:t>
+              <a:t>22/01/2024</a:t>
             </a:fld>
             <a:endParaRPr lang="es-ES"/>
           </a:p>
@@ -2972,7 +2977,7 @@
             <a:fld id="{2EA02827-08A6-4703-93A5-484891BEFE7C}" type="datetime1">
               <a:rPr lang="es-ES"/>
               <a:pPr lvl="0"/>
-              <a:t>2024/1/14</a:t>
+              <a:t>22/01/2024</a:t>
             </a:fld>
             <a:endParaRPr lang="es-ES"/>
           </a:p>
@@ -3281,7 +3286,7 @@
             <a:fld id="{3BD15B00-0AE0-4D67-BAE9-E2BB86F5C935}" type="datetime1">
               <a:rPr lang="es-ES"/>
               <a:pPr lvl="0"/>
-              <a:t>2024/1/14</a:t>
+              <a:t>22/01/2024</a:t>
             </a:fld>
             <a:endParaRPr lang="es-ES"/>
           </a:p>
@@ -3672,7 +3677,7 @@
             <a:fld id="{9785AC90-C374-4C18-A9F7-392E25CABCE0}" type="datetime1">
               <a:rPr lang="es-ES"/>
               <a:pPr lvl="0"/>
-              <a:t>2024/1/14</a:t>
+              <a:t>22/01/2024</a:t>
             </a:fld>
             <a:endParaRPr lang="es-ES"/>
           </a:p>
@@ -3833,7 +3838,7 @@
             <a:fld id="{2822AA02-92FF-4F1D-B2CF-9E86372D6D03}" type="datetime1">
               <a:rPr lang="es-ES"/>
               <a:pPr lvl="0"/>
-              <a:t>2024/1/14</a:t>
+              <a:t>22/01/2024</a:t>
             </a:fld>
             <a:endParaRPr lang="es-ES"/>
           </a:p>
@@ -3961,7 +3966,7 @@
             <a:fld id="{59839138-047E-4812-9415-9CF424C09AF2}" type="datetime1">
               <a:rPr lang="es-ES"/>
               <a:pPr lvl="0"/>
-              <a:t>2024/1/14</a:t>
+              <a:t>22/01/2024</a:t>
             </a:fld>
             <a:endParaRPr lang="es-ES"/>
           </a:p>
@@ -4239,7 +4244,7 @@
             <a:fld id="{D035741B-D25C-4812-B0EE-5D84AE174FA3}" type="datetime1">
               <a:rPr lang="es-ES"/>
               <a:pPr lvl="0"/>
-              <a:t>2024/1/14</a:t>
+              <a:t>22/01/2024</a:t>
             </a:fld>
             <a:endParaRPr lang="es-ES"/>
           </a:p>
@@ -4480,7 +4485,7 @@
             <a:fld id="{D652EA2C-0DA0-4B95-9881-80B74E70466D}" type="datetime1">
               <a:rPr lang="es-ES"/>
               <a:pPr lvl="0"/>
-              <a:t>2024/1/14</a:t>
+              <a:t>22/01/2024</a:t>
             </a:fld>
             <a:endParaRPr lang="es-ES"/>
           </a:p>
@@ -4762,7 +4767,7 @@
             <a:fld id="{28BEB9EE-DA0B-4655-8C0B-363C34994BE5}" type="datetime1">
               <a:rPr lang="es-ES"/>
               <a:pPr lvl="0"/>
-              <a:t>2024/1/14</a:t>
+              <a:t>22/01/2024</a:t>
             </a:fld>
             <a:endParaRPr lang="es-ES"/>
           </a:p>
@@ -6621,147 +6626,77 @@
       </p:grpSpPr>
       <p:sp>
         <p:nvSpPr>
-          <p:cNvPr id="2" name="Título 1">
-            <a:extLst>
-              <a:ext uri="{FF2B5EF4-FFF2-40B4-BE49-F238E27FC236}">
-                <a16:creationId xmlns:a16="http://schemas.microsoft.com/office/drawing/2014/main" id="{50CFFEB1-8CBA-4150-9E87-E37D8BF9671B}"/>
-              </a:ext>
-            </a:extLst>
-          </p:cNvPr>
-          <p:cNvSpPr>
-            <a:spLocks noGrp="1"/>
-          </p:cNvSpPr>
-          <p:nvPr>
-            <p:ph type="title"/>
-          </p:nvPr>
-        </p:nvSpPr>
-        <p:spPr/>
-        <p:txBody>
-          <a:bodyPr/>
-          <a:lstStyle/>
-          <a:p>
-            <a:r>
-              <a:rPr lang="es-ES" dirty="0"/>
-              <a:t>Scripts de la aplicación</a:t>
-            </a:r>
-          </a:p>
-        </p:txBody>
-      </p:sp>
-      <p:sp>
-        <p:nvSpPr>
-          <p:cNvPr id="3" name="Título 2">
-            <a:extLst>
-              <a:ext uri="{FF2B5EF4-FFF2-40B4-BE49-F238E27FC236}">
-                <a16:creationId xmlns:a16="http://schemas.microsoft.com/office/drawing/2014/main" id="{F97B1A9D-C841-ADC0-B2B8-64082D6392C0}"/>
-              </a:ext>
-            </a:extLst>
-          </p:cNvPr>
-          <p:cNvSpPr>
-            <a:spLocks noGrp="1"/>
-          </p:cNvSpPr>
-          <p:nvPr>
-            <p:ph type="title" idx="4294967295"/>
-          </p:nvPr>
-        </p:nvSpPr>
-        <p:spPr/>
-        <p:txBody>
-          <a:bodyPr>
-            <a:normAutofit fontScale="90000"/>
+          <p:cNvPr id="7" name="CuadroTexto 6">
+            <a:extLst>
+              <a:ext uri="{FF2B5EF4-FFF2-40B4-BE49-F238E27FC236}">
+                <a16:creationId xmlns:a16="http://schemas.microsoft.com/office/drawing/2014/main" id="{C29EFDEE-94E8-262A-B50F-EFB127C68A54}"/>
+              </a:ext>
+            </a:extLst>
+          </p:cNvPr>
+          <p:cNvSpPr txBox="1"/>
+          <p:nvPr/>
+        </p:nvSpPr>
+        <p:spPr>
+          <a:xfrm>
+            <a:off x="1231271" y="1385180"/>
+            <a:ext cx="9668288" cy="3539430"/>
+          </a:xfrm>
+          <a:prstGeom prst="rect">
+            <a:avLst/>
+          </a:prstGeom>
+          <a:noFill/>
+        </p:spPr>
+        <p:txBody>
+          <a:bodyPr wrap="none" rtlCol="0">
+            <a:spAutoFit/>
           </a:bodyPr>
           <a:lstStyle/>
           <a:p>
-            <a:pPr marL="0" indent="0">
-              <a:buNone/>
-            </a:pPr>
-            <a:r>
-              <a:rPr lang="es-ES" b="1" dirty="0" err="1"/>
+            <a:r>
+              <a:rPr lang="es-ES" sz="2800" b="1" dirty="0" err="1"/>
               <a:t>index.php</a:t>
             </a:r>
             <a:br>
-              <a:rPr lang="es-ES" dirty="0"/>
+              <a:rPr lang="es-ES" sz="2800" dirty="0"/>
             </a:br>
             <a:r>
-              <a:rPr lang="es-ES" dirty="0"/>
-              <a:t>Se encarga de la gestión de usuarios de la aplicación.</a:t>
+              <a:rPr lang="es-ES" sz="2800" dirty="0"/>
+              <a:t>Se encarga de la gestión de usuarios y de sesiones de usuario</a:t>
+            </a:r>
+          </a:p>
+          <a:p>
+            <a:r>
+              <a:rPr lang="es-ES" sz="2800" dirty="0"/>
+              <a:t>en la aplicación.</a:t>
             </a:r>
             <a:br>
-              <a:rPr lang="es-ES" dirty="0"/>
-            </a:br>
-            <a:r>
-              <a:rPr lang="es-ES" dirty="0"/>
-              <a:t>           </a:t>
-            </a:r>
-            <a:r>
-              <a:rPr lang="es-ES" dirty="0" err="1"/>
-              <a:t>Login</a:t>
-            </a:r>
-            <a:r>
-              <a:rPr lang="es-ES" dirty="0"/>
-              <a:t> de usuarios</a:t>
-            </a:r>
-            <a:br>
-              <a:rPr lang="es-ES" dirty="0"/>
-            </a:br>
-            <a:r>
-              <a:rPr lang="es-ES" dirty="0"/>
-              <a:t>           Cerrar sesión de usuario</a:t>
-            </a:r>
-            <a:br>
-              <a:rPr lang="es-ES" dirty="0"/>
-            </a:br>
-            <a:r>
-              <a:rPr lang="es-ES" dirty="0"/>
-              <a:t>           Registro de usuarios</a:t>
-            </a:r>
-            <a:br>
-              <a:rPr lang="es-ES" dirty="0"/>
-            </a:br>
-            <a:r>
-              <a:rPr lang="es-ES" dirty="0"/>
-              <a:t>           Baja de usuarios</a:t>
-            </a:r>
-            <a:br>
-              <a:rPr lang="es-ES" dirty="0"/>
-            </a:br>
-            <a:r>
-              <a:rPr lang="es-ES" b="1" dirty="0" err="1"/>
-              <a:t>juego.php</a:t>
-            </a:r>
-            <a:br>
-              <a:rPr lang="es-ES" dirty="0"/>
-            </a:br>
-            <a:r>
-              <a:rPr lang="es-ES" dirty="0"/>
-              <a:t>Se encarga del funcionamiento del juego de número oculto</a:t>
-            </a:r>
-            <a:br>
-              <a:rPr lang="es-ES" dirty="0"/>
-            </a:br>
-            <a:r>
-              <a:rPr lang="es-ES" dirty="0"/>
-              <a:t>           Crear juego</a:t>
-            </a:r>
-            <a:br>
-              <a:rPr lang="es-ES" dirty="0"/>
-            </a:br>
-            <a:r>
-              <a:rPr lang="es-ES" dirty="0"/>
-              <a:t>           Comprobar apuesta</a:t>
-            </a:r>
-            <a:br>
-              <a:rPr lang="es-ES" dirty="0"/>
-            </a:br>
-            <a:r>
-              <a:rPr lang="es-ES" dirty="0"/>
-              <a:t>           Informar al usuario</a:t>
-            </a:r>
-            <a:br>
-              <a:rPr lang="es-ES" dirty="0"/>
+              <a:rPr lang="es-ES" sz="2800" dirty="0"/>
             </a:br>
             <a:br>
-              <a:rPr lang="es-ES" dirty="0"/>
+              <a:rPr lang="es-ES" sz="2800" dirty="0"/>
             </a:br>
-            <a:endParaRPr lang="es-ES" dirty="0"/>
+            <a:r>
+              <a:rPr lang="es-ES" sz="2800" b="1" dirty="0" err="1"/>
+              <a:t>juego.php</a:t>
+            </a:r>
+            <a:br>
+              <a:rPr lang="es-ES" sz="2800" dirty="0"/>
+            </a:br>
+            <a:r>
+              <a:rPr lang="es-ES" sz="2800" dirty="0"/>
+              <a:t>Se encarga del funcionamiento del juego de número oculto.</a:t>
+            </a:r>
+            <a:br>
+              <a:rPr lang="es-ES" sz="2800" dirty="0"/>
+            </a:br>
+            <a:r>
+              <a:rPr lang="es-ES" sz="2800" dirty="0"/>
+              <a:t>               </a:t>
+            </a:r>
+            <a:br>
+              <a:rPr lang="es-ES" sz="2800" dirty="0"/>
+            </a:br>
+            <a:endParaRPr lang="es-ES" sz="2800" dirty="0"/>
           </a:p>
         </p:txBody>
       </p:sp>
@@ -7952,6 +7887,197 @@
           </a:fontRef>
         </p:style>
       </p:cxnSp>
+      <p:sp>
+        <p:nvSpPr>
+          <p:cNvPr id="10" name="CustomShape 2">
+            <a:extLst>
+              <a:ext uri="{FF2B5EF4-FFF2-40B4-BE49-F238E27FC236}">
+                <a16:creationId xmlns:a16="http://schemas.microsoft.com/office/drawing/2014/main" id="{C7B89E7A-4986-860E-D7B7-3B9A0CC16E7D}"/>
+              </a:ext>
+            </a:extLst>
+          </p:cNvPr>
+          <p:cNvSpPr/>
+          <p:nvPr/>
+        </p:nvSpPr>
+        <p:spPr>
+          <a:xfrm>
+            <a:off x="6789808" y="4825941"/>
+            <a:ext cx="1560796" cy="644877"/>
+          </a:xfrm>
+          <a:prstGeom prst="rect">
+            <a:avLst/>
+          </a:prstGeom>
+          <a:noFill/>
+          <a:ln w="0">
+            <a:noFill/>
+          </a:ln>
+        </p:spPr>
+        <p:style>
+          <a:lnRef idx="0">
+            <a:scrgbClr r="0" g="0" b="0"/>
+          </a:lnRef>
+          <a:fillRef idx="0">
+            <a:scrgbClr r="0" g="0" b="0"/>
+          </a:fillRef>
+          <a:effectRef idx="0">
+            <a:scrgbClr r="0" g="0" b="0"/>
+          </a:effectRef>
+          <a:fontRef idx="minor"/>
+        </p:style>
+        <p:txBody>
+          <a:bodyPr wrap="square" lIns="90000" tIns="45000" rIns="90000" bIns="45000">
+            <a:spAutoFit/>
+          </a:bodyPr>
+          <a:lstStyle/>
+          <a:p>
+            <a:pPr>
+              <a:lnSpc>
+                <a:spcPct val="100000"/>
+              </a:lnSpc>
+            </a:pPr>
+            <a:r>
+              <a:rPr lang="es-ES" sz="1800" b="0" strike="noStrike" spc="-1" dirty="0" err="1">
+                <a:solidFill>
+                  <a:srgbClr val="000000"/>
+                </a:solidFill>
+                <a:latin typeface="Calibri"/>
+                <a:ea typeface="DejaVu Sans"/>
+              </a:rPr>
+              <a:t>juego.php</a:t>
+            </a:r>
+            <a:endParaRPr lang="es-ES" sz="1800" b="0" strike="noStrike" spc="-1" dirty="0">
+              <a:solidFill>
+                <a:srgbClr val="000000"/>
+              </a:solidFill>
+              <a:latin typeface="Calibri"/>
+              <a:ea typeface="DejaVu Sans"/>
+            </a:endParaRPr>
+          </a:p>
+          <a:p>
+            <a:pPr>
+              <a:lnSpc>
+                <a:spcPct val="100000"/>
+              </a:lnSpc>
+            </a:pPr>
+            <a:r>
+              <a:rPr lang="es-ES" spc="-1" dirty="0" err="1">
+                <a:solidFill>
+                  <a:srgbClr val="000000"/>
+                </a:solidFill>
+                <a:latin typeface="Calibri"/>
+                <a:ea typeface="DejaVu Sans"/>
+              </a:rPr>
+              <a:t>e</a:t>
+            </a:r>
+            <a:r>
+              <a:rPr lang="es-ES" sz="1800" b="0" strike="noStrike" spc="-1" dirty="0" err="1">
+                <a:solidFill>
+                  <a:srgbClr val="000000"/>
+                </a:solidFill>
+                <a:latin typeface="Calibri"/>
+                <a:ea typeface="DejaVu Sans"/>
+              </a:rPr>
+              <a:t>nvio_apuesta</a:t>
+            </a:r>
+            <a:endParaRPr lang="es-ES" sz="1800" b="0" strike="noStrike" spc="-1" dirty="0">
+              <a:latin typeface="Arial"/>
+            </a:endParaRPr>
+          </a:p>
+        </p:txBody>
+      </p:sp>
+      <p:cxnSp>
+        <p:nvCxnSpPr>
+          <p:cNvPr id="11" name="Conector recto de flecha 10">
+            <a:extLst>
+              <a:ext uri="{FF2B5EF4-FFF2-40B4-BE49-F238E27FC236}">
+                <a16:creationId xmlns:a16="http://schemas.microsoft.com/office/drawing/2014/main" id="{E445C197-2989-43EE-7638-27C1337E2DC9}"/>
+              </a:ext>
+            </a:extLst>
+          </p:cNvPr>
+          <p:cNvCxnSpPr>
+            <a:cxnSpLocks/>
+          </p:cNvCxnSpPr>
+          <p:nvPr/>
+        </p:nvCxnSpPr>
+        <p:spPr>
+          <a:xfrm>
+            <a:off x="5875699" y="5115208"/>
+            <a:ext cx="878186" cy="0"/>
+          </a:xfrm>
+          <a:prstGeom prst="straightConnector1">
+            <a:avLst/>
+          </a:prstGeom>
+          <a:ln>
+            <a:tailEnd type="triangle"/>
+          </a:ln>
+        </p:spPr>
+        <p:style>
+          <a:lnRef idx="1">
+            <a:schemeClr val="accent1"/>
+          </a:lnRef>
+          <a:fillRef idx="0">
+            <a:schemeClr val="accent1"/>
+          </a:fillRef>
+          <a:effectRef idx="0">
+            <a:schemeClr val="accent1"/>
+          </a:effectRef>
+          <a:fontRef idx="minor">
+            <a:schemeClr val="tx1"/>
+          </a:fontRef>
+        </p:style>
+      </p:cxnSp>
+      <p:sp>
+        <p:nvSpPr>
+          <p:cNvPr id="15" name="CuadroTexto 14">
+            <a:extLst>
+              <a:ext uri="{FF2B5EF4-FFF2-40B4-BE49-F238E27FC236}">
+                <a16:creationId xmlns:a16="http://schemas.microsoft.com/office/drawing/2014/main" id="{72300B92-C1F4-8E63-1DF7-DD944B59C2E6}"/>
+              </a:ext>
+            </a:extLst>
+          </p:cNvPr>
+          <p:cNvSpPr txBox="1"/>
+          <p:nvPr/>
+        </p:nvSpPr>
+        <p:spPr>
+          <a:xfrm>
+            <a:off x="3048755" y="3246597"/>
+            <a:ext cx="6097508" cy="369332"/>
+          </a:xfrm>
+          <a:prstGeom prst="rect">
+            <a:avLst/>
+          </a:prstGeom>
+          <a:noFill/>
+        </p:spPr>
+        <p:txBody>
+          <a:bodyPr wrap="square">
+            <a:spAutoFit/>
+          </a:bodyPr>
+          <a:lstStyle/>
+          <a:p>
+            <a:r>
+              <a:rPr lang="es-ES" spc="-1" dirty="0" err="1">
+                <a:solidFill>
+                  <a:srgbClr val="000000"/>
+                </a:solidFill>
+                <a:latin typeface="Calibri"/>
+                <a:ea typeface="DejaVu Sans"/>
+              </a:rPr>
+              <a:t>i</a:t>
+            </a:r>
+            <a:r>
+              <a:rPr lang="es-ES" sz="1800" b="0" strike="noStrike" spc="-1" dirty="0" err="1">
+                <a:solidFill>
+                  <a:srgbClr val="000000"/>
+                </a:solidFill>
+                <a:latin typeface="Calibri"/>
+                <a:ea typeface="DejaVu Sans"/>
+              </a:rPr>
+              <a:t>ndex</a:t>
+            </a:r>
+            <a:endParaRPr lang="es-ES" dirty="0"/>
+          </a:p>
+        </p:txBody>
+      </p:sp>
     </p:spTree>
     <p:extLst>
       <p:ext uri="{BB962C8B-B14F-4D97-AF65-F5344CB8AC3E}">
@@ -8169,6 +8295,145 @@
         <p:spPr>
           <a:xfrm>
             <a:off x="6923909" y="2216085"/>
+            <a:ext cx="234273" cy="0"/>
+          </a:xfrm>
+          <a:prstGeom prst="straightConnector1">
+            <a:avLst/>
+          </a:prstGeom>
+          <a:ln>
+            <a:tailEnd type="triangle"/>
+          </a:ln>
+        </p:spPr>
+        <p:style>
+          <a:lnRef idx="1">
+            <a:schemeClr val="accent1"/>
+          </a:lnRef>
+          <a:fillRef idx="0">
+            <a:schemeClr val="accent1"/>
+          </a:fillRef>
+          <a:effectRef idx="0">
+            <a:schemeClr val="accent1"/>
+          </a:effectRef>
+          <a:fontRef idx="minor">
+            <a:schemeClr val="tx1"/>
+          </a:fontRef>
+        </p:style>
+      </p:cxnSp>
+      <p:sp>
+        <p:nvSpPr>
+          <p:cNvPr id="6" name="CustomShape 2">
+            <a:extLst>
+              <a:ext uri="{FF2B5EF4-FFF2-40B4-BE49-F238E27FC236}">
+                <a16:creationId xmlns:a16="http://schemas.microsoft.com/office/drawing/2014/main" id="{9BE79FB2-333C-1871-AF8D-02FEC7BB55CA}"/>
+              </a:ext>
+            </a:extLst>
+          </p:cNvPr>
+          <p:cNvSpPr/>
+          <p:nvPr/>
+        </p:nvSpPr>
+        <p:spPr>
+          <a:xfrm>
+            <a:off x="7328508" y="5178546"/>
+            <a:ext cx="1560796" cy="644877"/>
+          </a:xfrm>
+          <a:prstGeom prst="rect">
+            <a:avLst/>
+          </a:prstGeom>
+          <a:noFill/>
+          <a:ln w="0">
+            <a:noFill/>
+          </a:ln>
+        </p:spPr>
+        <p:style>
+          <a:lnRef idx="0">
+            <a:scrgbClr r="0" g="0" b="0"/>
+          </a:lnRef>
+          <a:fillRef idx="0">
+            <a:scrgbClr r="0" g="0" b="0"/>
+          </a:fillRef>
+          <a:effectRef idx="0">
+            <a:scrgbClr r="0" g="0" b="0"/>
+          </a:effectRef>
+          <a:fontRef idx="minor"/>
+        </p:style>
+        <p:txBody>
+          <a:bodyPr wrap="square" lIns="90000" tIns="45000" rIns="90000" bIns="45000">
+            <a:spAutoFit/>
+          </a:bodyPr>
+          <a:lstStyle/>
+          <a:p>
+            <a:pPr>
+              <a:lnSpc>
+                <a:spcPct val="100000"/>
+              </a:lnSpc>
+            </a:pPr>
+            <a:r>
+              <a:rPr lang="es-ES" sz="1800" b="0" strike="noStrike" spc="-1" dirty="0" err="1">
+                <a:solidFill>
+                  <a:srgbClr val="000000"/>
+                </a:solidFill>
+                <a:latin typeface="Calibri"/>
+                <a:ea typeface="DejaVu Sans"/>
+              </a:rPr>
+              <a:t>juego.php</a:t>
+            </a:r>
+            <a:endParaRPr lang="es-ES" sz="1800" b="0" strike="noStrike" spc="-1" dirty="0">
+              <a:solidFill>
+                <a:srgbClr val="000000"/>
+              </a:solidFill>
+              <a:latin typeface="Calibri"/>
+              <a:ea typeface="DejaVu Sans"/>
+            </a:endParaRPr>
+          </a:p>
+          <a:p>
+            <a:pPr>
+              <a:lnSpc>
+                <a:spcPct val="100000"/>
+              </a:lnSpc>
+            </a:pPr>
+            <a:r>
+              <a:rPr lang="es-ES" spc="-1" dirty="0" err="1">
+                <a:solidFill>
+                  <a:srgbClr val="000000"/>
+                </a:solidFill>
+                <a:latin typeface="Calibri"/>
+                <a:ea typeface="DejaVu Sans"/>
+              </a:rPr>
+              <a:t>n</a:t>
+            </a:r>
+            <a:r>
+              <a:rPr lang="es-ES" sz="1800" b="0" strike="noStrike" spc="-1" dirty="0" err="1">
+                <a:solidFill>
+                  <a:srgbClr val="000000"/>
+                </a:solidFill>
+                <a:latin typeface="Calibri"/>
+                <a:ea typeface="DejaVu Sans"/>
+              </a:rPr>
+              <a:t>uevo_juego</a:t>
+            </a:r>
+            <a:endParaRPr lang="es-ES" sz="1800" b="0" strike="noStrike" spc="-1" dirty="0">
+              <a:latin typeface="Arial"/>
+            </a:endParaRPr>
+          </a:p>
+        </p:txBody>
+      </p:sp>
+      <p:cxnSp>
+        <p:nvCxnSpPr>
+          <p:cNvPr id="7" name="Conector recto de flecha 6">
+            <a:extLst>
+              <a:ext uri="{FF2B5EF4-FFF2-40B4-BE49-F238E27FC236}">
+                <a16:creationId xmlns:a16="http://schemas.microsoft.com/office/drawing/2014/main" id="{8A23DA4C-312A-B601-8565-672B98D30737}"/>
+              </a:ext>
+            </a:extLst>
+          </p:cNvPr>
+          <p:cNvCxnSpPr>
+            <a:cxnSpLocks/>
+          </p:cNvCxnSpPr>
+          <p:nvPr/>
+        </p:nvCxnSpPr>
+        <p:spPr>
+          <a:xfrm>
+            <a:off x="6964050" y="5500984"/>
             <a:ext cx="234273" cy="0"/>
           </a:xfrm>
           <a:prstGeom prst="straightConnector1">
